--- a/PPT/Java/class 1.pptx
+++ b/PPT/Java/class 1.pptx
@@ -9,10 +9,9 @@
     <p:sldId id="263" r:id="rId3"/>
     <p:sldId id="266" r:id="rId4"/>
     <p:sldId id="269" r:id="rId5"/>
-    <p:sldId id="272" r:id="rId6"/>
-    <p:sldId id="273" r:id="rId7"/>
-    <p:sldId id="271" r:id="rId8"/>
-    <p:sldId id="268" r:id="rId9"/>
+    <p:sldId id="274" r:id="rId6"/>
+    <p:sldId id="271" r:id="rId7"/>
+    <p:sldId id="268" r:id="rId8"/>
   </p:sldIdLst>
   <p:sldSz cx="9144000" cy="6858000" type="screen4x3"/>
   <p:notesSz cx="6858000" cy="9144000"/>
@@ -5951,7 +5950,7 @@
           <a:p>
             <a:r>
               <a:rPr lang="en-IN" sz="2800" u="sng" dirty="0"/>
-              <a:t>Java</a:t>
+              <a:t>C++</a:t>
             </a:r>
           </a:p>
           <a:p>
@@ -6131,7 +6130,7 @@
                 <a:effectLst/>
                 <a:latin typeface="Montserrat"/>
               </a:rPr>
-              <a:t>Class 1: 	• Introduction of Java </a:t>
+              <a:t>Class 1: 	• Introduction of C++ </a:t>
             </a:r>
           </a:p>
           <a:p>
@@ -6221,10 +6220,10 @@
       </p:sp>
       <p:sp>
         <p:nvSpPr>
-          <p:cNvPr id="3" name="TextBox 2">
+          <p:cNvPr id="4" name="TextBox 3">
             <a:extLst>
               <a:ext uri="{FF2B5EF4-FFF2-40B4-BE49-F238E27FC236}">
-                <a16:creationId xmlns:a16="http://schemas.microsoft.com/office/drawing/2014/main" id="{24811A43-B546-4399-864A-F3D5A496D206}"/>
+                <a16:creationId xmlns:a16="http://schemas.microsoft.com/office/drawing/2014/main" id="{99C28204-8029-43AD-8C99-A346D2AA2083}"/>
               </a:ext>
             </a:extLst>
           </p:cNvPr>
@@ -6233,8 +6232,8 @@
         </p:nvSpPr>
         <p:spPr>
           <a:xfrm>
-            <a:off x="1403648" y="2996952"/>
-            <a:ext cx="6048672" cy="2862322"/>
+            <a:off x="1403648" y="2780928"/>
+            <a:ext cx="6048672" cy="1477328"/>
           </a:xfrm>
           <a:prstGeom prst="rect">
             <a:avLst/>
@@ -6253,7 +6252,7 @@
             </a:pPr>
             <a:r>
               <a:rPr lang="en-IN" dirty="0"/>
-              <a:t>Python is a OOPs language.</a:t>
+              <a:t>C++ is a programming language.</a:t>
             </a:r>
           </a:p>
           <a:p>
@@ -6267,17 +6266,28 @@
             </a:r>
             <a:r>
               <a:rPr lang="en-IN" dirty="0"/>
-              <a:t> </a:t>
-            </a:r>
-          </a:p>
-          <a:p>
+              <a:t> Let a=10</a:t>
+            </a:r>
+          </a:p>
+          <a:p>
+            <a:pPr marL="742950" lvl="1" indent="-285750">
+              <a:buFont typeface="Arial" panose="020B0604020202020204" pitchFamily="34" charset="0"/>
+              <a:buChar char="•"/>
+            </a:pPr>
             <a:r>
               <a:rPr lang="en-IN" dirty="0"/>
-              <a:t>	C used structural, python follows functional programming!</a:t>
-            </a:r>
-          </a:p>
-          <a:p>
-            <a:endParaRPr lang="en-IN" dirty="0"/>
+              <a:t>A=a+1</a:t>
+            </a:r>
+          </a:p>
+          <a:p>
+            <a:pPr marL="742950" lvl="1" indent="-285750">
+              <a:buFont typeface="Arial" panose="020B0604020202020204" pitchFamily="34" charset="0"/>
+              <a:buChar char="•"/>
+            </a:pPr>
+            <a:r>
+              <a:rPr lang="en-IN" dirty="0"/>
+              <a:t>A++</a:t>
+            </a:r>
           </a:p>
           <a:p>
             <a:pPr marL="285750" indent="-285750">
@@ -6286,47 +6296,15 @@
             </a:pPr>
             <a:r>
               <a:rPr lang="en-IN" dirty="0"/>
-              <a:t>Python uses Compiler to compile and interpreter to run.</a:t>
-            </a:r>
-          </a:p>
-          <a:p>
-            <a:endParaRPr lang="en-IN" dirty="0"/>
-          </a:p>
-          <a:p>
-            <a:pPr marL="342900" indent="-342900">
-              <a:buFont typeface="+mj-lt"/>
-              <a:buAutoNum type="arabicPeriod"/>
-            </a:pPr>
+              <a:t>To create computer </a:t>
+            </a:r>
+            <a:r>
+              <a:rPr lang="en-IN" dirty="0" err="1"/>
+              <a:t>programms</a:t>
+            </a:r>
             <a:r>
               <a:rPr lang="en-IN" dirty="0"/>
-              <a:t>Compiler. It compiles whole code and then produces output.</a:t>
-            </a:r>
-          </a:p>
-          <a:p>
-            <a:pPr marL="342900" indent="-342900">
-              <a:buFont typeface="+mj-lt"/>
-              <a:buAutoNum type="arabicPeriod"/>
-            </a:pPr>
-            <a:r>
-              <a:rPr lang="en-IN" dirty="0"/>
-              <a:t>Interpreter : It executes each line separately.</a:t>
-            </a:r>
-          </a:p>
-          <a:p>
-            <a:endParaRPr lang="en-IN" dirty="0"/>
-          </a:p>
-          <a:p>
-            <a:r>
-              <a:rPr lang="en-IN" dirty="0"/>
-              <a:t>Guido van </a:t>
-            </a:r>
-            <a:r>
-              <a:rPr lang="en-IN" dirty="0" err="1"/>
-              <a:t>Rossom</a:t>
-            </a:r>
-            <a:r>
-              <a:rPr lang="en-IN" dirty="0"/>
-              <a:t>, 1989, released version 1991.</a:t>
+              <a:t>.</a:t>
             </a:r>
           </a:p>
         </p:txBody>
@@ -6361,40 +6339,119 @@
           <a:chExt cx="0" cy="0"/>
         </a:xfrm>
       </p:grpSpPr>
-      <p:pic>
-        <p:nvPicPr>
-          <p:cNvPr id="3" name="Picture 2">
+      <p:sp>
+        <p:nvSpPr>
+          <p:cNvPr id="2" name="Title 1">
             <a:extLst>
               <a:ext uri="{FF2B5EF4-FFF2-40B4-BE49-F238E27FC236}">
-                <a16:creationId xmlns:a16="http://schemas.microsoft.com/office/drawing/2014/main" id="{F0C7AE08-6CB2-4E91-9176-5B3ECD680551}"/>
+                <a16:creationId xmlns:a16="http://schemas.microsoft.com/office/drawing/2014/main" id="{4C0EF1B7-4921-426C-A0FB-8D04DCCF0243}"/>
               </a:ext>
             </a:extLst>
           </p:cNvPr>
-          <p:cNvPicPr>
-            <a:picLocks noChangeAspect="1"/>
-          </p:cNvPicPr>
+          <p:cNvSpPr>
+            <a:spLocks noGrp="1"/>
+          </p:cNvSpPr>
+          <p:nvPr>
+            <p:ph type="title"/>
+          </p:nvPr>
+        </p:nvSpPr>
+        <p:spPr/>
+        <p:txBody>
+          <a:bodyPr/>
+          <a:lstStyle/>
+          <a:p>
+            <a:r>
+              <a:rPr lang="en-IN" dirty="0"/>
+              <a:t>First program</a:t>
+            </a:r>
+          </a:p>
+        </p:txBody>
+      </p:sp>
+      <p:sp>
+        <p:nvSpPr>
+          <p:cNvPr id="4" name="TextBox 3">
+            <a:extLst>
+              <a:ext uri="{FF2B5EF4-FFF2-40B4-BE49-F238E27FC236}">
+                <a16:creationId xmlns:a16="http://schemas.microsoft.com/office/drawing/2014/main" id="{582190A9-C687-4EF3-845A-B9A02E79E10E}"/>
+              </a:ext>
+            </a:extLst>
+          </p:cNvPr>
+          <p:cNvSpPr txBox="1"/>
           <p:nvPr/>
-        </p:nvPicPr>
-        <p:blipFill>
-          <a:blip r:embed="rId2"/>
-          <a:stretch>
-            <a:fillRect/>
-          </a:stretch>
-        </p:blipFill>
+        </p:nvSpPr>
         <p:spPr>
           <a:xfrm>
-            <a:off x="899593" y="774990"/>
-            <a:ext cx="7272808" cy="5361098"/>
+            <a:off x="2288309" y="3108144"/>
+            <a:ext cx="4576618" cy="1754326"/>
           </a:xfrm>
           <a:prstGeom prst="rect">
             <a:avLst/>
           </a:prstGeom>
+          <a:noFill/>
         </p:spPr>
-      </p:pic>
+        <p:txBody>
+          <a:bodyPr wrap="square">
+            <a:spAutoFit/>
+          </a:bodyPr>
+          <a:lstStyle/>
+          <a:p>
+            <a:r>
+              <a:rPr lang="en-IN" dirty="0"/>
+              <a:t>#include &lt;iostream&gt;</a:t>
+            </a:r>
+          </a:p>
+          <a:p>
+            <a:r>
+              <a:rPr lang="en-IN" dirty="0"/>
+              <a:t>using namespace std;</a:t>
+            </a:r>
+          </a:p>
+          <a:p>
+            <a:r>
+              <a:rPr lang="en-IN" dirty="0"/>
+              <a:t>int main() {   </a:t>
+            </a:r>
+          </a:p>
+          <a:p>
+            <a:r>
+              <a:rPr lang="en-IN" dirty="0"/>
+              <a:t> </a:t>
+            </a:r>
+            <a:r>
+              <a:rPr lang="en-IN" dirty="0" err="1"/>
+              <a:t>cout</a:t>
+            </a:r>
+            <a:r>
+              <a:rPr lang="en-IN" dirty="0"/>
+              <a:t> &lt;&lt; "</a:t>
+            </a:r>
+            <a:r>
+              <a:rPr lang="en-IN" dirty="0" err="1"/>
+              <a:t>Affan</a:t>
+            </a:r>
+            <a:r>
+              <a:rPr lang="en-IN" dirty="0"/>
+              <a:t>";    </a:t>
+            </a:r>
+          </a:p>
+          <a:p>
+            <a:r>
+              <a:rPr lang="en-IN" dirty="0"/>
+              <a:t>return 0;</a:t>
+            </a:r>
+          </a:p>
+          <a:p>
+            <a:r>
+              <a:rPr lang="en-IN" dirty="0"/>
+              <a:t>}</a:t>
+            </a:r>
+          </a:p>
+        </p:txBody>
+      </p:sp>
     </p:spTree>
     <p:extLst>
       <p:ext uri="{BB962C8B-B14F-4D97-AF65-F5344CB8AC3E}">
-        <p14:creationId xmlns:p14="http://schemas.microsoft.com/office/powerpoint/2010/main" val="2527345483"/>
+        <p14:creationId xmlns:p14="http://schemas.microsoft.com/office/powerpoint/2010/main" val="968106363"/>
       </p:ext>
     </p:extLst>
   </p:cSld>
@@ -6426,108 +6483,6 @@
           <p:cNvPr id="2" name="Title 1">
             <a:extLst>
               <a:ext uri="{FF2B5EF4-FFF2-40B4-BE49-F238E27FC236}">
-                <a16:creationId xmlns:a16="http://schemas.microsoft.com/office/drawing/2014/main" id="{96DB989A-0620-4147-9E0E-A81E8B855BE9}"/>
-              </a:ext>
-            </a:extLst>
-          </p:cNvPr>
-          <p:cNvSpPr>
-            <a:spLocks noGrp="1"/>
-          </p:cNvSpPr>
-          <p:nvPr>
-            <p:ph type="title"/>
-          </p:nvPr>
-        </p:nvSpPr>
-        <p:spPr/>
-        <p:txBody>
-          <a:bodyPr/>
-          <a:lstStyle/>
-          <a:p>
-            <a:endParaRPr lang="en-IN"/>
-          </a:p>
-        </p:txBody>
-      </p:sp>
-      <p:pic>
-        <p:nvPicPr>
-          <p:cNvPr id="1026" name="Picture 2" descr="JAVA PROGRAM-DEVELOPMENT PHASES&#10; ">
-            <a:extLst>
-              <a:ext uri="{FF2B5EF4-FFF2-40B4-BE49-F238E27FC236}">
-                <a16:creationId xmlns:a16="http://schemas.microsoft.com/office/drawing/2014/main" id="{9204C19F-12CA-40EC-A3F2-BAF025EF20EE}"/>
-              </a:ext>
-            </a:extLst>
-          </p:cNvPr>
-          <p:cNvPicPr>
-            <a:picLocks noChangeAspect="1" noChangeArrowheads="1"/>
-          </p:cNvPicPr>
-          <p:nvPr/>
-        </p:nvPicPr>
-        <p:blipFill>
-          <a:blip r:embed="rId2">
-            <a:extLst>
-              <a:ext uri="{28A0092B-C50C-407E-A947-70E740481C1C}">
-                <a14:useLocalDpi xmlns:a14="http://schemas.microsoft.com/office/drawing/2010/main" val="0"/>
-              </a:ext>
-            </a:extLst>
-          </a:blip>
-          <a:srcRect/>
-          <a:stretch>
-            <a:fillRect/>
-          </a:stretch>
-        </p:blipFill>
-        <p:spPr bwMode="auto">
-          <a:xfrm>
-            <a:off x="827584" y="620688"/>
-            <a:ext cx="7560840" cy="5670630"/>
-          </a:xfrm>
-          <a:prstGeom prst="rect">
-            <a:avLst/>
-          </a:prstGeom>
-          <a:noFill/>
-          <a:extLst>
-            <a:ext uri="{909E8E84-426E-40DD-AFC4-6F175D3DCCD1}">
-              <a14:hiddenFill xmlns:a14="http://schemas.microsoft.com/office/drawing/2010/main">
-                <a:solidFill>
-                  <a:srgbClr val="FFFFFF"/>
-                </a:solidFill>
-              </a14:hiddenFill>
-            </a:ext>
-          </a:extLst>
-        </p:spPr>
-      </p:pic>
-    </p:spTree>
-    <p:extLst>
-      <p:ext uri="{BB962C8B-B14F-4D97-AF65-F5344CB8AC3E}">
-        <p14:creationId xmlns:p14="http://schemas.microsoft.com/office/powerpoint/2010/main" val="3490280697"/>
-      </p:ext>
-    </p:extLst>
-  </p:cSld>
-  <p:clrMapOvr>
-    <a:masterClrMapping/>
-  </p:clrMapOvr>
-</p:sld>
-</file>
-
-<file path=ppt/slides/slide7.xml><?xml version="1.0" encoding="utf-8"?>
-<p:sld xmlns:a="http://schemas.openxmlformats.org/drawingml/2006/main" xmlns:r="http://schemas.openxmlformats.org/officeDocument/2006/relationships" xmlns:p="http://schemas.openxmlformats.org/presentationml/2006/main">
-  <p:cSld>
-    <p:spTree>
-      <p:nvGrpSpPr>
-        <p:cNvPr id="1" name=""/>
-        <p:cNvGrpSpPr/>
-        <p:nvPr/>
-      </p:nvGrpSpPr>
-      <p:grpSpPr>
-        <a:xfrm>
-          <a:off x="0" y="0"/>
-          <a:ext cx="0" cy="0"/>
-          <a:chOff x="0" y="0"/>
-          <a:chExt cx="0" cy="0"/>
-        </a:xfrm>
-      </p:grpSpPr>
-      <p:sp>
-        <p:nvSpPr>
-          <p:cNvPr id="2" name="Title 1">
-            <a:extLst>
-              <a:ext uri="{FF2B5EF4-FFF2-40B4-BE49-F238E27FC236}">
                 <a16:creationId xmlns:a16="http://schemas.microsoft.com/office/drawing/2014/main" id="{65FB2CA4-C3CA-4E67-B580-41CA02131118}"/>
               </a:ext>
             </a:extLst>
@@ -6665,7 +6620,7 @@
 </p:sld>
 </file>
 
-<file path=ppt/slides/slide8.xml><?xml version="1.0" encoding="utf-8"?>
+<file path=ppt/slides/slide7.xml><?xml version="1.0" encoding="utf-8"?>
 <p:sld xmlns:a="http://schemas.openxmlformats.org/drawingml/2006/main" xmlns:r="http://schemas.openxmlformats.org/officeDocument/2006/relationships" xmlns:p="http://schemas.openxmlformats.org/presentationml/2006/main">
   <p:cSld>
     <p:spTree>
